--- a/Lectures/template.pptx
+++ b/Lectures/template.pptx
@@ -1,15 +1,15 @@
 
 <file path=ppt/presentation.xml><?xml version="1.0" encoding="utf-8"?>
-<p:presentation xmlns:a="http://schemas.openxmlformats.org/drawingml/2006/main" xmlns:r="http://schemas.openxmlformats.org/officeDocument/2006/relationships" xmlns:p="http://schemas.openxmlformats.org/presentationml/2006/main" saveSubsetFonts="1">
+<p:presentation xmlns:a="http://schemas.openxmlformats.org/drawingml/2006/main" xmlns:r="http://schemas.openxmlformats.org/officeDocument/2006/relationships" xmlns:p="http://schemas.openxmlformats.org/presentationml/2006/main">
   <p:sldMasterIdLst>
     <p:sldMasterId id="2147483648" r:id="rId1"/>
   </p:sldMasterIdLst>
   <p:notesMasterIdLst>
-    <p:notesMasterId r:id="rId4"/>
+    <p:notesMasterId r:id="rId5"/>
   </p:notesMasterIdLst>
   <p:sldIdLst>
-    <p:sldId id="256" r:id="rId2"/>
-    <p:sldId id="257" r:id="rId3"/>
+    <p:sldId id="256" r:id="rId3"/>
+    <p:sldId id="257" r:id="rId4"/>
   </p:sldIdLst>
   <p:sldSz cx="12192000" cy="6858000"/>
   <p:notesSz cx="6858000" cy="9144000"/>
@@ -193,7 +193,6 @@
           <a:p>
             <a:fld id="{514E381B-57E9-41FA-AB0D-203B9A61B791}" type="datetimeFigureOut">
               <a:rPr lang="zh-CN" altLang="en-US" smtClean="0"/>
-              <a:t>2024/7/14</a:t>
             </a:fld>
             <a:endParaRPr lang="zh-CN" altLang="en-US"/>
           </a:p>
@@ -260,6 +259,7 @@
               <a:rPr lang="zh-CN" altLang="en-US"/>
               <a:t>单击此处编辑母版文本样式</a:t>
             </a:r>
+            <a:endParaRPr lang="zh-CN" altLang="en-US"/>
           </a:p>
           <a:p>
             <a:pPr lvl="1"/>
@@ -267,6 +267,7 @@
               <a:rPr lang="zh-CN" altLang="en-US"/>
               <a:t>二级</a:t>
             </a:r>
+            <a:endParaRPr lang="zh-CN" altLang="en-US"/>
           </a:p>
           <a:p>
             <a:pPr lvl="2"/>
@@ -274,6 +275,7 @@
               <a:rPr lang="zh-CN" altLang="en-US"/>
               <a:t>三级</a:t>
             </a:r>
+            <a:endParaRPr lang="zh-CN" altLang="en-US"/>
           </a:p>
           <a:p>
             <a:pPr lvl="3"/>
@@ -281,6 +283,7 @@
               <a:rPr lang="zh-CN" altLang="en-US"/>
               <a:t>四级</a:t>
             </a:r>
+            <a:endParaRPr lang="zh-CN" altLang="en-US"/>
           </a:p>
           <a:p>
             <a:pPr lvl="4"/>
@@ -288,6 +291,7 @@
               <a:rPr lang="zh-CN" altLang="en-US"/>
               <a:t>五级</a:t>
             </a:r>
+            <a:endParaRPr lang="zh-CN" altLang="en-US"/>
           </a:p>
         </p:txBody>
       </p:sp>
@@ -351,18 +355,12 @@
           <a:p>
             <a:fld id="{790AAB44-A010-4E59-8023-476E728F6EBA}" type="slidenum">
               <a:rPr lang="zh-CN" altLang="en-US" smtClean="0"/>
-              <a:t>‹#›</a:t>
             </a:fld>
             <a:endParaRPr lang="zh-CN" altLang="en-US"/>
           </a:p>
         </p:txBody>
       </p:sp>
     </p:spTree>
-    <p:extLst>
-      <p:ext uri="{BB962C8B-B14F-4D97-AF65-F5344CB8AC3E}">
-        <p14:creationId xmlns:p14="http://schemas.microsoft.com/office/powerpoint/2010/main" val="3323429702"/>
-      </p:ext>
-    </p:extLst>
   </p:cSld>
   <p:clrMap bg1="lt1" tx1="dk1" bg2="lt2" tx2="dk2" accent1="accent1" accent2="accent2" accent3="accent3" accent4="accent4" accent5="accent5" accent6="accent6" hlink="hlink" folHlink="folHlink"/>
   <p:notesStyle>
@@ -479,13 +477,7 @@
       </p:grpSpPr>
       <p:sp>
         <p:nvSpPr>
-          <p:cNvPr id="3" name="副标题 2">
-            <a:extLst>
-              <a:ext uri="{FF2B5EF4-FFF2-40B4-BE49-F238E27FC236}">
-                <a16:creationId xmlns:a16="http://schemas.microsoft.com/office/drawing/2014/main" id="{43BD4B04-9EB6-F195-131E-A36A0CFDD245}"/>
-              </a:ext>
-            </a:extLst>
-          </p:cNvPr>
+          <p:cNvPr id="3" name="副标题 2"/>
           <p:cNvSpPr>
             <a:spLocks noGrp="1"/>
           </p:cNvSpPr>
@@ -549,18 +541,13 @@
               <a:rPr lang="zh-CN" altLang="en-US" dirty="0"/>
               <a:t>单击此处编辑母版副标题样式</a:t>
             </a:r>
-          </a:p>
-        </p:txBody>
-      </p:sp>
-      <p:sp>
-        <p:nvSpPr>
-          <p:cNvPr id="6" name="灯片编号占位符 5">
-            <a:extLst>
-              <a:ext uri="{FF2B5EF4-FFF2-40B4-BE49-F238E27FC236}">
-                <a16:creationId xmlns:a16="http://schemas.microsoft.com/office/drawing/2014/main" id="{7E82A435-B0A5-58AA-8BD0-B86B704A4BB6}"/>
-              </a:ext>
-            </a:extLst>
-          </p:cNvPr>
+            <a:endParaRPr lang="zh-CN" altLang="en-US" dirty="0"/>
+          </a:p>
+        </p:txBody>
+      </p:sp>
+      <p:sp>
+        <p:nvSpPr>
+          <p:cNvPr id="6" name="灯片编号占位符 5"/>
           <p:cNvSpPr>
             <a:spLocks noGrp="1"/>
           </p:cNvSpPr>
@@ -575,8 +562,6 @@
           <a:p>
             <a:fld id="{5232DD58-8C83-4A00-8D90-03ACA0CA0643}" type="slidenum">
               <a:rPr lang="zh-CN" altLang="en-US" smtClean="0"/>
-              <a:pPr/>
-              <a:t>‹#›</a:t>
             </a:fld>
             <a:endParaRPr lang="zh-CN" altLang="en-US" dirty="0"/>
           </a:p>
@@ -584,13 +569,7 @@
       </p:sp>
       <p:sp>
         <p:nvSpPr>
-          <p:cNvPr id="14" name="标题 13">
-            <a:extLst>
-              <a:ext uri="{FF2B5EF4-FFF2-40B4-BE49-F238E27FC236}">
-                <a16:creationId xmlns:a16="http://schemas.microsoft.com/office/drawing/2014/main" id="{5F901FB6-264B-84B3-8222-8035101C803F}"/>
-              </a:ext>
-            </a:extLst>
-          </p:cNvPr>
+          <p:cNvPr id="14" name="标题 13"/>
           <p:cNvSpPr>
             <a:spLocks noGrp="1"/>
           </p:cNvSpPr>
@@ -607,15 +586,11 @@
               <a:rPr lang="zh-CN" altLang="en-US"/>
               <a:t>单击此处编辑母版标题样式</a:t>
             </a:r>
+            <a:endParaRPr lang="zh-CN" altLang="en-US"/>
           </a:p>
         </p:txBody>
       </p:sp>
     </p:spTree>
-    <p:extLst>
-      <p:ext uri="{BB962C8B-B14F-4D97-AF65-F5344CB8AC3E}">
-        <p14:creationId xmlns:p14="http://schemas.microsoft.com/office/powerpoint/2010/main" val="2545520471"/>
-      </p:ext>
-    </p:extLst>
   </p:cSld>
   <p:clrMapOvr>
     <a:masterClrMapping/>
@@ -642,13 +617,7 @@
       </p:grpSpPr>
       <p:sp>
         <p:nvSpPr>
-          <p:cNvPr id="2" name="标题 1">
-            <a:extLst>
-              <a:ext uri="{FF2B5EF4-FFF2-40B4-BE49-F238E27FC236}">
-                <a16:creationId xmlns:a16="http://schemas.microsoft.com/office/drawing/2014/main" id="{8382AE03-F257-391A-DAF8-C8B86800BC3F}"/>
-              </a:ext>
-            </a:extLst>
-          </p:cNvPr>
+          <p:cNvPr id="2" name="标题 1"/>
           <p:cNvSpPr>
             <a:spLocks noGrp="1"/>
           </p:cNvSpPr>
@@ -665,18 +634,13 @@
               <a:rPr lang="zh-CN" altLang="en-US"/>
               <a:t>单击此处编辑母版标题样式</a:t>
             </a:r>
-          </a:p>
-        </p:txBody>
-      </p:sp>
-      <p:sp>
-        <p:nvSpPr>
-          <p:cNvPr id="3" name="竖排文字占位符 2">
-            <a:extLst>
-              <a:ext uri="{FF2B5EF4-FFF2-40B4-BE49-F238E27FC236}">
-                <a16:creationId xmlns:a16="http://schemas.microsoft.com/office/drawing/2014/main" id="{7C93339C-A2D0-F8FE-94F7-C6FF6019CB2D}"/>
-              </a:ext>
-            </a:extLst>
-          </p:cNvPr>
+            <a:endParaRPr lang="zh-CN" altLang="en-US"/>
+          </a:p>
+        </p:txBody>
+      </p:sp>
+      <p:sp>
+        <p:nvSpPr>
+          <p:cNvPr id="3" name="竖排文字占位符 2"/>
           <p:cNvSpPr>
             <a:spLocks noGrp="1"/>
           </p:cNvSpPr>
@@ -694,6 +658,7 @@
               <a:rPr lang="zh-CN" altLang="en-US"/>
               <a:t>单击此处编辑母版文本样式</a:t>
             </a:r>
+            <a:endParaRPr lang="zh-CN" altLang="en-US"/>
           </a:p>
           <a:p>
             <a:pPr lvl="1"/>
@@ -701,6 +666,7 @@
               <a:rPr lang="zh-CN" altLang="en-US"/>
               <a:t>二级</a:t>
             </a:r>
+            <a:endParaRPr lang="zh-CN" altLang="en-US"/>
           </a:p>
           <a:p>
             <a:pPr lvl="2"/>
@@ -708,6 +674,7 @@
               <a:rPr lang="zh-CN" altLang="en-US"/>
               <a:t>三级</a:t>
             </a:r>
+            <a:endParaRPr lang="zh-CN" altLang="en-US"/>
           </a:p>
           <a:p>
             <a:pPr lvl="3"/>
@@ -715,6 +682,7 @@
               <a:rPr lang="zh-CN" altLang="en-US"/>
               <a:t>四级</a:t>
             </a:r>
+            <a:endParaRPr lang="zh-CN" altLang="en-US"/>
           </a:p>
           <a:p>
             <a:pPr lvl="4"/>
@@ -722,18 +690,13 @@
               <a:rPr lang="zh-CN" altLang="en-US"/>
               <a:t>五级</a:t>
             </a:r>
-          </a:p>
-        </p:txBody>
-      </p:sp>
-      <p:sp>
-        <p:nvSpPr>
-          <p:cNvPr id="4" name="日期占位符 3">
-            <a:extLst>
-              <a:ext uri="{FF2B5EF4-FFF2-40B4-BE49-F238E27FC236}">
-                <a16:creationId xmlns:a16="http://schemas.microsoft.com/office/drawing/2014/main" id="{3F33078D-3026-2F7D-1C4D-BF709554030C}"/>
-              </a:ext>
-            </a:extLst>
-          </p:cNvPr>
+            <a:endParaRPr lang="zh-CN" altLang="en-US"/>
+          </a:p>
+        </p:txBody>
+      </p:sp>
+      <p:sp>
+        <p:nvSpPr>
+          <p:cNvPr id="4" name="日期占位符 3"/>
           <p:cNvSpPr>
             <a:spLocks noGrp="1"/>
           </p:cNvSpPr>
@@ -760,13 +723,7 @@
       </p:sp>
       <p:sp>
         <p:nvSpPr>
-          <p:cNvPr id="5" name="页脚占位符 4">
-            <a:extLst>
-              <a:ext uri="{FF2B5EF4-FFF2-40B4-BE49-F238E27FC236}">
-                <a16:creationId xmlns:a16="http://schemas.microsoft.com/office/drawing/2014/main" id="{87CF92BD-EF0B-C4E8-13F7-C17640B39A8A}"/>
-              </a:ext>
-            </a:extLst>
-          </p:cNvPr>
+          <p:cNvPr id="5" name="页脚占位符 4"/>
           <p:cNvSpPr>
             <a:spLocks noGrp="1"/>
           </p:cNvSpPr>
@@ -793,13 +750,7 @@
       </p:sp>
       <p:sp>
         <p:nvSpPr>
-          <p:cNvPr id="6" name="灯片编号占位符 5">
-            <a:extLst>
-              <a:ext uri="{FF2B5EF4-FFF2-40B4-BE49-F238E27FC236}">
-                <a16:creationId xmlns:a16="http://schemas.microsoft.com/office/drawing/2014/main" id="{38B834D6-6FE2-AAD6-2112-A49D734086A5}"/>
-              </a:ext>
-            </a:extLst>
-          </p:cNvPr>
+          <p:cNvPr id="6" name="灯片编号占位符 5"/>
           <p:cNvSpPr>
             <a:spLocks noGrp="1"/>
           </p:cNvSpPr>
@@ -814,18 +765,12 @@
           <a:p>
             <a:fld id="{5232DD58-8C83-4A00-8D90-03ACA0CA0643}" type="slidenum">
               <a:rPr lang="zh-CN" altLang="en-US" smtClean="0"/>
-              <a:t>‹#›</a:t>
             </a:fld>
             <a:endParaRPr lang="zh-CN" altLang="en-US"/>
           </a:p>
         </p:txBody>
       </p:sp>
     </p:spTree>
-    <p:extLst>
-      <p:ext uri="{BB962C8B-B14F-4D97-AF65-F5344CB8AC3E}">
-        <p14:creationId xmlns:p14="http://schemas.microsoft.com/office/powerpoint/2010/main" val="3315463372"/>
-      </p:ext>
-    </p:extLst>
   </p:cSld>
   <p:clrMapOvr>
     <a:masterClrMapping/>
@@ -852,13 +797,7 @@
       </p:grpSpPr>
       <p:sp>
         <p:nvSpPr>
-          <p:cNvPr id="2" name="竖排标题 1">
-            <a:extLst>
-              <a:ext uri="{FF2B5EF4-FFF2-40B4-BE49-F238E27FC236}">
-                <a16:creationId xmlns:a16="http://schemas.microsoft.com/office/drawing/2014/main" id="{7CE94469-9DED-435E-CCDF-1B53C567394D}"/>
-              </a:ext>
-            </a:extLst>
-          </p:cNvPr>
+          <p:cNvPr id="2" name="竖排标题 1"/>
           <p:cNvSpPr>
             <a:spLocks noGrp="1"/>
           </p:cNvSpPr>
@@ -880,18 +819,13 @@
               <a:rPr lang="zh-CN" altLang="en-US"/>
               <a:t>单击此处编辑母版标题样式</a:t>
             </a:r>
-          </a:p>
-        </p:txBody>
-      </p:sp>
-      <p:sp>
-        <p:nvSpPr>
-          <p:cNvPr id="3" name="竖排文字占位符 2">
-            <a:extLst>
-              <a:ext uri="{FF2B5EF4-FFF2-40B4-BE49-F238E27FC236}">
-                <a16:creationId xmlns:a16="http://schemas.microsoft.com/office/drawing/2014/main" id="{42AC23BB-E961-B9EA-56E5-4AE283433671}"/>
-              </a:ext>
-            </a:extLst>
-          </p:cNvPr>
+            <a:endParaRPr lang="zh-CN" altLang="en-US"/>
+          </a:p>
+        </p:txBody>
+      </p:sp>
+      <p:sp>
+        <p:nvSpPr>
+          <p:cNvPr id="3" name="竖排文字占位符 2"/>
           <p:cNvSpPr>
             <a:spLocks noGrp="1"/>
           </p:cNvSpPr>
@@ -914,6 +848,7 @@
               <a:rPr lang="zh-CN" altLang="en-US"/>
               <a:t>单击此处编辑母版文本样式</a:t>
             </a:r>
+            <a:endParaRPr lang="zh-CN" altLang="en-US"/>
           </a:p>
           <a:p>
             <a:pPr lvl="1"/>
@@ -921,6 +856,7 @@
               <a:rPr lang="zh-CN" altLang="en-US"/>
               <a:t>二级</a:t>
             </a:r>
+            <a:endParaRPr lang="zh-CN" altLang="en-US"/>
           </a:p>
           <a:p>
             <a:pPr lvl="2"/>
@@ -928,6 +864,7 @@
               <a:rPr lang="zh-CN" altLang="en-US"/>
               <a:t>三级</a:t>
             </a:r>
+            <a:endParaRPr lang="zh-CN" altLang="en-US"/>
           </a:p>
           <a:p>
             <a:pPr lvl="3"/>
@@ -935,6 +872,7 @@
               <a:rPr lang="zh-CN" altLang="en-US"/>
               <a:t>四级</a:t>
             </a:r>
+            <a:endParaRPr lang="zh-CN" altLang="en-US"/>
           </a:p>
           <a:p>
             <a:pPr lvl="4"/>
@@ -942,18 +880,13 @@
               <a:rPr lang="zh-CN" altLang="en-US"/>
               <a:t>五级</a:t>
             </a:r>
-          </a:p>
-        </p:txBody>
-      </p:sp>
-      <p:sp>
-        <p:nvSpPr>
-          <p:cNvPr id="4" name="日期占位符 3">
-            <a:extLst>
-              <a:ext uri="{FF2B5EF4-FFF2-40B4-BE49-F238E27FC236}">
-                <a16:creationId xmlns:a16="http://schemas.microsoft.com/office/drawing/2014/main" id="{EAA84615-7B55-A6FD-83B8-F87981331EB4}"/>
-              </a:ext>
-            </a:extLst>
-          </p:cNvPr>
+            <a:endParaRPr lang="zh-CN" altLang="en-US"/>
+          </a:p>
+        </p:txBody>
+      </p:sp>
+      <p:sp>
+        <p:nvSpPr>
+          <p:cNvPr id="4" name="日期占位符 3"/>
           <p:cNvSpPr>
             <a:spLocks noGrp="1"/>
           </p:cNvSpPr>
@@ -980,13 +913,7 @@
       </p:sp>
       <p:sp>
         <p:nvSpPr>
-          <p:cNvPr id="5" name="页脚占位符 4">
-            <a:extLst>
-              <a:ext uri="{FF2B5EF4-FFF2-40B4-BE49-F238E27FC236}">
-                <a16:creationId xmlns:a16="http://schemas.microsoft.com/office/drawing/2014/main" id="{755D0667-C8BC-5BAE-A977-2B9367B38F32}"/>
-              </a:ext>
-            </a:extLst>
-          </p:cNvPr>
+          <p:cNvPr id="5" name="页脚占位符 4"/>
           <p:cNvSpPr>
             <a:spLocks noGrp="1"/>
           </p:cNvSpPr>
@@ -1013,13 +940,7 @@
       </p:sp>
       <p:sp>
         <p:nvSpPr>
-          <p:cNvPr id="6" name="灯片编号占位符 5">
-            <a:extLst>
-              <a:ext uri="{FF2B5EF4-FFF2-40B4-BE49-F238E27FC236}">
-                <a16:creationId xmlns:a16="http://schemas.microsoft.com/office/drawing/2014/main" id="{BE54C338-D294-E54F-D90C-CBDA0AF17DBE}"/>
-              </a:ext>
-            </a:extLst>
-          </p:cNvPr>
+          <p:cNvPr id="6" name="灯片编号占位符 5"/>
           <p:cNvSpPr>
             <a:spLocks noGrp="1"/>
           </p:cNvSpPr>
@@ -1034,18 +955,12 @@
           <a:p>
             <a:fld id="{5232DD58-8C83-4A00-8D90-03ACA0CA0643}" type="slidenum">
               <a:rPr lang="zh-CN" altLang="en-US" smtClean="0"/>
-              <a:t>‹#›</a:t>
             </a:fld>
             <a:endParaRPr lang="zh-CN" altLang="en-US"/>
           </a:p>
         </p:txBody>
       </p:sp>
     </p:spTree>
-    <p:extLst>
-      <p:ext uri="{BB962C8B-B14F-4D97-AF65-F5344CB8AC3E}">
-        <p14:creationId xmlns:p14="http://schemas.microsoft.com/office/powerpoint/2010/main" val="212655504"/>
-      </p:ext>
-    </p:extLst>
   </p:cSld>
   <p:clrMapOvr>
     <a:masterClrMapping/>
@@ -1072,13 +987,7 @@
       </p:grpSpPr>
       <p:sp>
         <p:nvSpPr>
-          <p:cNvPr id="2" name="标题 1">
-            <a:extLst>
-              <a:ext uri="{FF2B5EF4-FFF2-40B4-BE49-F238E27FC236}">
-                <a16:creationId xmlns:a16="http://schemas.microsoft.com/office/drawing/2014/main" id="{521EA284-11F8-B749-653B-DF197DBFD3AA}"/>
-              </a:ext>
-            </a:extLst>
-          </p:cNvPr>
+          <p:cNvPr id="2" name="标题 1"/>
           <p:cNvSpPr>
             <a:spLocks noGrp="1"/>
           </p:cNvSpPr>
@@ -1095,18 +1004,13 @@
               <a:rPr lang="zh-CN" altLang="en-US"/>
               <a:t>单击此处编辑母版标题样式</a:t>
             </a:r>
-          </a:p>
-        </p:txBody>
-      </p:sp>
-      <p:sp>
-        <p:nvSpPr>
-          <p:cNvPr id="3" name="内容占位符 2">
-            <a:extLst>
-              <a:ext uri="{FF2B5EF4-FFF2-40B4-BE49-F238E27FC236}">
-                <a16:creationId xmlns:a16="http://schemas.microsoft.com/office/drawing/2014/main" id="{F9F2F339-57EA-8CFB-B0FC-1AFE17B223AD}"/>
-              </a:ext>
-            </a:extLst>
-          </p:cNvPr>
+            <a:endParaRPr lang="zh-CN" altLang="en-US"/>
+          </a:p>
+        </p:txBody>
+      </p:sp>
+      <p:sp>
+        <p:nvSpPr>
+          <p:cNvPr id="3" name="内容占位符 2"/>
           <p:cNvSpPr>
             <a:spLocks noGrp="1"/>
           </p:cNvSpPr>
@@ -1124,6 +1028,7 @@
               <a:rPr lang="zh-CN" altLang="en-US"/>
               <a:t>单击此处编辑母版文本样式</a:t>
             </a:r>
+            <a:endParaRPr lang="zh-CN" altLang="en-US"/>
           </a:p>
           <a:p>
             <a:pPr lvl="1"/>
@@ -1131,6 +1036,7 @@
               <a:rPr lang="zh-CN" altLang="en-US"/>
               <a:t>二级</a:t>
             </a:r>
+            <a:endParaRPr lang="zh-CN" altLang="en-US"/>
           </a:p>
           <a:p>
             <a:pPr lvl="2"/>
@@ -1138,6 +1044,7 @@
               <a:rPr lang="zh-CN" altLang="en-US"/>
               <a:t>三级</a:t>
             </a:r>
+            <a:endParaRPr lang="zh-CN" altLang="en-US"/>
           </a:p>
           <a:p>
             <a:pPr lvl="3"/>
@@ -1145,6 +1052,7 @@
               <a:rPr lang="zh-CN" altLang="en-US"/>
               <a:t>四级</a:t>
             </a:r>
+            <a:endParaRPr lang="zh-CN" altLang="en-US"/>
           </a:p>
           <a:p>
             <a:pPr lvl="4"/>
@@ -1152,18 +1060,13 @@
               <a:rPr lang="zh-CN" altLang="en-US"/>
               <a:t>五级</a:t>
             </a:r>
-          </a:p>
-        </p:txBody>
-      </p:sp>
-      <p:sp>
-        <p:nvSpPr>
-          <p:cNvPr id="4" name="日期占位符 3">
-            <a:extLst>
-              <a:ext uri="{FF2B5EF4-FFF2-40B4-BE49-F238E27FC236}">
-                <a16:creationId xmlns:a16="http://schemas.microsoft.com/office/drawing/2014/main" id="{6663E5F3-F807-679E-9F46-B7B8B7AF68DF}"/>
-              </a:ext>
-            </a:extLst>
-          </p:cNvPr>
+            <a:endParaRPr lang="zh-CN" altLang="en-US"/>
+          </a:p>
+        </p:txBody>
+      </p:sp>
+      <p:sp>
+        <p:nvSpPr>
+          <p:cNvPr id="4" name="日期占位符 3"/>
           <p:cNvSpPr>
             <a:spLocks noGrp="1"/>
           </p:cNvSpPr>
@@ -1190,13 +1093,7 @@
       </p:sp>
       <p:sp>
         <p:nvSpPr>
-          <p:cNvPr id="5" name="页脚占位符 4">
-            <a:extLst>
-              <a:ext uri="{FF2B5EF4-FFF2-40B4-BE49-F238E27FC236}">
-                <a16:creationId xmlns:a16="http://schemas.microsoft.com/office/drawing/2014/main" id="{B34C4516-0EDB-FD82-289B-160D88B0438A}"/>
-              </a:ext>
-            </a:extLst>
-          </p:cNvPr>
+          <p:cNvPr id="5" name="页脚占位符 4"/>
           <p:cNvSpPr>
             <a:spLocks noGrp="1"/>
           </p:cNvSpPr>
@@ -1223,13 +1120,7 @@
       </p:sp>
       <p:sp>
         <p:nvSpPr>
-          <p:cNvPr id="6" name="灯片编号占位符 5">
-            <a:extLst>
-              <a:ext uri="{FF2B5EF4-FFF2-40B4-BE49-F238E27FC236}">
-                <a16:creationId xmlns:a16="http://schemas.microsoft.com/office/drawing/2014/main" id="{3EE82F7F-A737-5DF9-89B8-FF2BD595EBD9}"/>
-              </a:ext>
-            </a:extLst>
-          </p:cNvPr>
+          <p:cNvPr id="6" name="灯片编号占位符 5"/>
           <p:cNvSpPr>
             <a:spLocks noGrp="1"/>
           </p:cNvSpPr>
@@ -1244,18 +1135,12 @@
           <a:p>
             <a:fld id="{5232DD58-8C83-4A00-8D90-03ACA0CA0643}" type="slidenum">
               <a:rPr lang="zh-CN" altLang="en-US" smtClean="0"/>
-              <a:t>‹#›</a:t>
             </a:fld>
             <a:endParaRPr lang="zh-CN" altLang="en-US"/>
           </a:p>
         </p:txBody>
       </p:sp>
     </p:spTree>
-    <p:extLst>
-      <p:ext uri="{BB962C8B-B14F-4D97-AF65-F5344CB8AC3E}">
-        <p14:creationId xmlns:p14="http://schemas.microsoft.com/office/powerpoint/2010/main" val="4216616668"/>
-      </p:ext>
-    </p:extLst>
   </p:cSld>
   <p:clrMapOvr>
     <a:masterClrMapping/>
@@ -1282,13 +1167,7 @@
       </p:grpSpPr>
       <p:sp>
         <p:nvSpPr>
-          <p:cNvPr id="2" name="标题 1">
-            <a:extLst>
-              <a:ext uri="{FF2B5EF4-FFF2-40B4-BE49-F238E27FC236}">
-                <a16:creationId xmlns:a16="http://schemas.microsoft.com/office/drawing/2014/main" id="{B070DD9A-5F98-05D5-6ED2-7D143B35B57E}"/>
-              </a:ext>
-            </a:extLst>
-          </p:cNvPr>
+          <p:cNvPr id="2" name="标题 1"/>
           <p:cNvSpPr>
             <a:spLocks noGrp="1"/>
           </p:cNvSpPr>
@@ -1314,18 +1193,13 @@
               <a:rPr lang="zh-CN" altLang="en-US"/>
               <a:t>单击此处编辑母版标题样式</a:t>
             </a:r>
-          </a:p>
-        </p:txBody>
-      </p:sp>
-      <p:sp>
-        <p:nvSpPr>
-          <p:cNvPr id="3" name="文本占位符 2">
-            <a:extLst>
-              <a:ext uri="{FF2B5EF4-FFF2-40B4-BE49-F238E27FC236}">
-                <a16:creationId xmlns:a16="http://schemas.microsoft.com/office/drawing/2014/main" id="{E9D99A6B-1376-5F3E-D7FF-165475C7BE26}"/>
-              </a:ext>
-            </a:extLst>
-          </p:cNvPr>
+            <a:endParaRPr lang="zh-CN" altLang="en-US"/>
+          </a:p>
+        </p:txBody>
+      </p:sp>
+      <p:sp>
+        <p:nvSpPr>
+          <p:cNvPr id="3" name="文本占位符 2"/>
           <p:cNvSpPr>
             <a:spLocks noGrp="1"/>
           </p:cNvSpPr>
@@ -1439,18 +1313,13 @@
               <a:rPr lang="zh-CN" altLang="en-US"/>
               <a:t>单击此处编辑母版文本样式</a:t>
             </a:r>
-          </a:p>
-        </p:txBody>
-      </p:sp>
-      <p:sp>
-        <p:nvSpPr>
-          <p:cNvPr id="4" name="日期占位符 3">
-            <a:extLst>
-              <a:ext uri="{FF2B5EF4-FFF2-40B4-BE49-F238E27FC236}">
-                <a16:creationId xmlns:a16="http://schemas.microsoft.com/office/drawing/2014/main" id="{EBDB3F63-1AD3-1AFF-79EA-1E37316EF9B5}"/>
-              </a:ext>
-            </a:extLst>
-          </p:cNvPr>
+            <a:endParaRPr lang="zh-CN" altLang="en-US"/>
+          </a:p>
+        </p:txBody>
+      </p:sp>
+      <p:sp>
+        <p:nvSpPr>
+          <p:cNvPr id="4" name="日期占位符 3"/>
           <p:cNvSpPr>
             <a:spLocks noGrp="1"/>
           </p:cNvSpPr>
@@ -1477,13 +1346,7 @@
       </p:sp>
       <p:sp>
         <p:nvSpPr>
-          <p:cNvPr id="5" name="页脚占位符 4">
-            <a:extLst>
-              <a:ext uri="{FF2B5EF4-FFF2-40B4-BE49-F238E27FC236}">
-                <a16:creationId xmlns:a16="http://schemas.microsoft.com/office/drawing/2014/main" id="{EFD2CD3A-78F1-2239-7D56-03D29AF9C375}"/>
-              </a:ext>
-            </a:extLst>
-          </p:cNvPr>
+          <p:cNvPr id="5" name="页脚占位符 4"/>
           <p:cNvSpPr>
             <a:spLocks noGrp="1"/>
           </p:cNvSpPr>
@@ -1510,13 +1373,7 @@
       </p:sp>
       <p:sp>
         <p:nvSpPr>
-          <p:cNvPr id="6" name="灯片编号占位符 5">
-            <a:extLst>
-              <a:ext uri="{FF2B5EF4-FFF2-40B4-BE49-F238E27FC236}">
-                <a16:creationId xmlns:a16="http://schemas.microsoft.com/office/drawing/2014/main" id="{201B31B9-94EC-7CE8-50FD-A5B0B9BD9801}"/>
-              </a:ext>
-            </a:extLst>
-          </p:cNvPr>
+          <p:cNvPr id="6" name="灯片编号占位符 5"/>
           <p:cNvSpPr>
             <a:spLocks noGrp="1"/>
           </p:cNvSpPr>
@@ -1531,18 +1388,12 @@
           <a:p>
             <a:fld id="{5232DD58-8C83-4A00-8D90-03ACA0CA0643}" type="slidenum">
               <a:rPr lang="zh-CN" altLang="en-US" smtClean="0"/>
-              <a:t>‹#›</a:t>
             </a:fld>
             <a:endParaRPr lang="zh-CN" altLang="en-US"/>
           </a:p>
         </p:txBody>
       </p:sp>
     </p:spTree>
-    <p:extLst>
-      <p:ext uri="{BB962C8B-B14F-4D97-AF65-F5344CB8AC3E}">
-        <p14:creationId xmlns:p14="http://schemas.microsoft.com/office/powerpoint/2010/main" val="593888235"/>
-      </p:ext>
-    </p:extLst>
   </p:cSld>
   <p:clrMapOvr>
     <a:masterClrMapping/>
@@ -1569,13 +1420,7 @@
       </p:grpSpPr>
       <p:sp>
         <p:nvSpPr>
-          <p:cNvPr id="2" name="标题 1">
-            <a:extLst>
-              <a:ext uri="{FF2B5EF4-FFF2-40B4-BE49-F238E27FC236}">
-                <a16:creationId xmlns:a16="http://schemas.microsoft.com/office/drawing/2014/main" id="{E8B0C452-D7B7-CA34-B71E-1C5A3BC4EC94}"/>
-              </a:ext>
-            </a:extLst>
-          </p:cNvPr>
+          <p:cNvPr id="2" name="标题 1"/>
           <p:cNvSpPr>
             <a:spLocks noGrp="1"/>
           </p:cNvSpPr>
@@ -1592,18 +1437,13 @@
               <a:rPr lang="zh-CN" altLang="en-US"/>
               <a:t>单击此处编辑母版标题样式</a:t>
             </a:r>
-          </a:p>
-        </p:txBody>
-      </p:sp>
-      <p:sp>
-        <p:nvSpPr>
-          <p:cNvPr id="3" name="内容占位符 2">
-            <a:extLst>
-              <a:ext uri="{FF2B5EF4-FFF2-40B4-BE49-F238E27FC236}">
-                <a16:creationId xmlns:a16="http://schemas.microsoft.com/office/drawing/2014/main" id="{84AF6DA4-774A-86F6-B1A1-C0B97195AAE1}"/>
-              </a:ext>
-            </a:extLst>
-          </p:cNvPr>
+            <a:endParaRPr lang="zh-CN" altLang="en-US"/>
+          </a:p>
+        </p:txBody>
+      </p:sp>
+      <p:sp>
+        <p:nvSpPr>
+          <p:cNvPr id="3" name="内容占位符 2"/>
           <p:cNvSpPr>
             <a:spLocks noGrp="1"/>
           </p:cNvSpPr>
@@ -1626,6 +1466,7 @@
               <a:rPr lang="zh-CN" altLang="en-US"/>
               <a:t>单击此处编辑母版文本样式</a:t>
             </a:r>
+            <a:endParaRPr lang="zh-CN" altLang="en-US"/>
           </a:p>
           <a:p>
             <a:pPr lvl="1"/>
@@ -1633,6 +1474,7 @@
               <a:rPr lang="zh-CN" altLang="en-US"/>
               <a:t>二级</a:t>
             </a:r>
+            <a:endParaRPr lang="zh-CN" altLang="en-US"/>
           </a:p>
           <a:p>
             <a:pPr lvl="2"/>
@@ -1640,6 +1482,7 @@
               <a:rPr lang="zh-CN" altLang="en-US"/>
               <a:t>三级</a:t>
             </a:r>
+            <a:endParaRPr lang="zh-CN" altLang="en-US"/>
           </a:p>
           <a:p>
             <a:pPr lvl="3"/>
@@ -1647,6 +1490,7 @@
               <a:rPr lang="zh-CN" altLang="en-US"/>
               <a:t>四级</a:t>
             </a:r>
+            <a:endParaRPr lang="zh-CN" altLang="en-US"/>
           </a:p>
           <a:p>
             <a:pPr lvl="4"/>
@@ -1654,18 +1498,13 @@
               <a:rPr lang="zh-CN" altLang="en-US"/>
               <a:t>五级</a:t>
             </a:r>
-          </a:p>
-        </p:txBody>
-      </p:sp>
-      <p:sp>
-        <p:nvSpPr>
-          <p:cNvPr id="4" name="内容占位符 3">
-            <a:extLst>
-              <a:ext uri="{FF2B5EF4-FFF2-40B4-BE49-F238E27FC236}">
-                <a16:creationId xmlns:a16="http://schemas.microsoft.com/office/drawing/2014/main" id="{95A2D672-10DF-6644-D866-6435176A15CA}"/>
-              </a:ext>
-            </a:extLst>
-          </p:cNvPr>
+            <a:endParaRPr lang="zh-CN" altLang="en-US"/>
+          </a:p>
+        </p:txBody>
+      </p:sp>
+      <p:sp>
+        <p:nvSpPr>
+          <p:cNvPr id="4" name="内容占位符 3"/>
           <p:cNvSpPr>
             <a:spLocks noGrp="1"/>
           </p:cNvSpPr>
@@ -1688,6 +1527,7 @@
               <a:rPr lang="zh-CN" altLang="en-US"/>
               <a:t>单击此处编辑母版文本样式</a:t>
             </a:r>
+            <a:endParaRPr lang="zh-CN" altLang="en-US"/>
           </a:p>
           <a:p>
             <a:pPr lvl="1"/>
@@ -1695,6 +1535,7 @@
               <a:rPr lang="zh-CN" altLang="en-US"/>
               <a:t>二级</a:t>
             </a:r>
+            <a:endParaRPr lang="zh-CN" altLang="en-US"/>
           </a:p>
           <a:p>
             <a:pPr lvl="2"/>
@@ -1702,6 +1543,7 @@
               <a:rPr lang="zh-CN" altLang="en-US"/>
               <a:t>三级</a:t>
             </a:r>
+            <a:endParaRPr lang="zh-CN" altLang="en-US"/>
           </a:p>
           <a:p>
             <a:pPr lvl="3"/>
@@ -1709,6 +1551,7 @@
               <a:rPr lang="zh-CN" altLang="en-US"/>
               <a:t>四级</a:t>
             </a:r>
+            <a:endParaRPr lang="zh-CN" altLang="en-US"/>
           </a:p>
           <a:p>
             <a:pPr lvl="4"/>
@@ -1716,18 +1559,13 @@
               <a:rPr lang="zh-CN" altLang="en-US"/>
               <a:t>五级</a:t>
             </a:r>
-          </a:p>
-        </p:txBody>
-      </p:sp>
-      <p:sp>
-        <p:nvSpPr>
-          <p:cNvPr id="5" name="日期占位符 4">
-            <a:extLst>
-              <a:ext uri="{FF2B5EF4-FFF2-40B4-BE49-F238E27FC236}">
-                <a16:creationId xmlns:a16="http://schemas.microsoft.com/office/drawing/2014/main" id="{C0C590A7-37DC-40C4-BF90-2EDE32F1B282}"/>
-              </a:ext>
-            </a:extLst>
-          </p:cNvPr>
+            <a:endParaRPr lang="zh-CN" altLang="en-US"/>
+          </a:p>
+        </p:txBody>
+      </p:sp>
+      <p:sp>
+        <p:nvSpPr>
+          <p:cNvPr id="5" name="日期占位符 4"/>
           <p:cNvSpPr>
             <a:spLocks noGrp="1"/>
           </p:cNvSpPr>
@@ -1754,13 +1592,7 @@
       </p:sp>
       <p:sp>
         <p:nvSpPr>
-          <p:cNvPr id="6" name="页脚占位符 5">
-            <a:extLst>
-              <a:ext uri="{FF2B5EF4-FFF2-40B4-BE49-F238E27FC236}">
-                <a16:creationId xmlns:a16="http://schemas.microsoft.com/office/drawing/2014/main" id="{A1A4DB91-5FCC-C15E-2EC9-7B46F915A5E2}"/>
-              </a:ext>
-            </a:extLst>
-          </p:cNvPr>
+          <p:cNvPr id="6" name="页脚占位符 5"/>
           <p:cNvSpPr>
             <a:spLocks noGrp="1"/>
           </p:cNvSpPr>
@@ -1787,13 +1619,7 @@
       </p:sp>
       <p:sp>
         <p:nvSpPr>
-          <p:cNvPr id="7" name="灯片编号占位符 6">
-            <a:extLst>
-              <a:ext uri="{FF2B5EF4-FFF2-40B4-BE49-F238E27FC236}">
-                <a16:creationId xmlns:a16="http://schemas.microsoft.com/office/drawing/2014/main" id="{0CC9C696-D638-A5C0-2E6C-3BE47AC5B737}"/>
-              </a:ext>
-            </a:extLst>
-          </p:cNvPr>
+          <p:cNvPr id="7" name="灯片编号占位符 6"/>
           <p:cNvSpPr>
             <a:spLocks noGrp="1"/>
           </p:cNvSpPr>
@@ -1808,18 +1634,12 @@
           <a:p>
             <a:fld id="{5232DD58-8C83-4A00-8D90-03ACA0CA0643}" type="slidenum">
               <a:rPr lang="zh-CN" altLang="en-US" smtClean="0"/>
-              <a:t>‹#›</a:t>
             </a:fld>
             <a:endParaRPr lang="zh-CN" altLang="en-US"/>
           </a:p>
         </p:txBody>
       </p:sp>
     </p:spTree>
-    <p:extLst>
-      <p:ext uri="{BB962C8B-B14F-4D97-AF65-F5344CB8AC3E}">
-        <p14:creationId xmlns:p14="http://schemas.microsoft.com/office/powerpoint/2010/main" val="856571600"/>
-      </p:ext>
-    </p:extLst>
   </p:cSld>
   <p:clrMapOvr>
     <a:masterClrMapping/>
@@ -1846,13 +1666,7 @@
       </p:grpSpPr>
       <p:sp>
         <p:nvSpPr>
-          <p:cNvPr id="2" name="标题 1">
-            <a:extLst>
-              <a:ext uri="{FF2B5EF4-FFF2-40B4-BE49-F238E27FC236}">
-                <a16:creationId xmlns:a16="http://schemas.microsoft.com/office/drawing/2014/main" id="{C1C29132-A29F-31D2-F937-65D8D90D83AD}"/>
-              </a:ext>
-            </a:extLst>
-          </p:cNvPr>
+          <p:cNvPr id="2" name="标题 1"/>
           <p:cNvSpPr>
             <a:spLocks noGrp="1"/>
           </p:cNvSpPr>
@@ -1874,18 +1688,13 @@
               <a:rPr lang="zh-CN" altLang="en-US"/>
               <a:t>单击此处编辑母版标题样式</a:t>
             </a:r>
-          </a:p>
-        </p:txBody>
-      </p:sp>
-      <p:sp>
-        <p:nvSpPr>
-          <p:cNvPr id="3" name="文本占位符 2">
-            <a:extLst>
-              <a:ext uri="{FF2B5EF4-FFF2-40B4-BE49-F238E27FC236}">
-                <a16:creationId xmlns:a16="http://schemas.microsoft.com/office/drawing/2014/main" id="{2E672852-2EBF-0025-1DAD-ACC7676731E3}"/>
-              </a:ext>
-            </a:extLst>
-          </p:cNvPr>
+            <a:endParaRPr lang="zh-CN" altLang="en-US"/>
+          </a:p>
+        </p:txBody>
+      </p:sp>
+      <p:sp>
+        <p:nvSpPr>
+          <p:cNvPr id="3" name="文本占位符 2"/>
           <p:cNvSpPr>
             <a:spLocks noGrp="1"/>
           </p:cNvSpPr>
@@ -1945,18 +1754,13 @@
               <a:rPr lang="zh-CN" altLang="en-US"/>
               <a:t>单击此处编辑母版文本样式</a:t>
             </a:r>
-          </a:p>
-        </p:txBody>
-      </p:sp>
-      <p:sp>
-        <p:nvSpPr>
-          <p:cNvPr id="4" name="内容占位符 3">
-            <a:extLst>
-              <a:ext uri="{FF2B5EF4-FFF2-40B4-BE49-F238E27FC236}">
-                <a16:creationId xmlns:a16="http://schemas.microsoft.com/office/drawing/2014/main" id="{F860E2CA-9AF9-D356-C782-2922CDFB13A0}"/>
-              </a:ext>
-            </a:extLst>
-          </p:cNvPr>
+            <a:endParaRPr lang="zh-CN" altLang="en-US"/>
+          </a:p>
+        </p:txBody>
+      </p:sp>
+      <p:sp>
+        <p:nvSpPr>
+          <p:cNvPr id="4" name="内容占位符 3"/>
           <p:cNvSpPr>
             <a:spLocks noGrp="1"/>
           </p:cNvSpPr>
@@ -1979,6 +1783,7 @@
               <a:rPr lang="zh-CN" altLang="en-US"/>
               <a:t>单击此处编辑母版文本样式</a:t>
             </a:r>
+            <a:endParaRPr lang="zh-CN" altLang="en-US"/>
           </a:p>
           <a:p>
             <a:pPr lvl="1"/>
@@ -1986,6 +1791,7 @@
               <a:rPr lang="zh-CN" altLang="en-US"/>
               <a:t>二级</a:t>
             </a:r>
+            <a:endParaRPr lang="zh-CN" altLang="en-US"/>
           </a:p>
           <a:p>
             <a:pPr lvl="2"/>
@@ -1993,6 +1799,7 @@
               <a:rPr lang="zh-CN" altLang="en-US"/>
               <a:t>三级</a:t>
             </a:r>
+            <a:endParaRPr lang="zh-CN" altLang="en-US"/>
           </a:p>
           <a:p>
             <a:pPr lvl="3"/>
@@ -2000,6 +1807,7 @@
               <a:rPr lang="zh-CN" altLang="en-US"/>
               <a:t>四级</a:t>
             </a:r>
+            <a:endParaRPr lang="zh-CN" altLang="en-US"/>
           </a:p>
           <a:p>
             <a:pPr lvl="4"/>
@@ -2007,18 +1815,13 @@
               <a:rPr lang="zh-CN" altLang="en-US"/>
               <a:t>五级</a:t>
             </a:r>
-          </a:p>
-        </p:txBody>
-      </p:sp>
-      <p:sp>
-        <p:nvSpPr>
-          <p:cNvPr id="5" name="文本占位符 4">
-            <a:extLst>
-              <a:ext uri="{FF2B5EF4-FFF2-40B4-BE49-F238E27FC236}">
-                <a16:creationId xmlns:a16="http://schemas.microsoft.com/office/drawing/2014/main" id="{C6115693-A473-A908-8612-BE466CCE676E}"/>
-              </a:ext>
-            </a:extLst>
-          </p:cNvPr>
+            <a:endParaRPr lang="zh-CN" altLang="en-US"/>
+          </a:p>
+        </p:txBody>
+      </p:sp>
+      <p:sp>
+        <p:nvSpPr>
+          <p:cNvPr id="5" name="文本占位符 4"/>
           <p:cNvSpPr>
             <a:spLocks noGrp="1"/>
           </p:cNvSpPr>
@@ -2078,18 +1881,13 @@
               <a:rPr lang="zh-CN" altLang="en-US"/>
               <a:t>单击此处编辑母版文本样式</a:t>
             </a:r>
-          </a:p>
-        </p:txBody>
-      </p:sp>
-      <p:sp>
-        <p:nvSpPr>
-          <p:cNvPr id="6" name="内容占位符 5">
-            <a:extLst>
-              <a:ext uri="{FF2B5EF4-FFF2-40B4-BE49-F238E27FC236}">
-                <a16:creationId xmlns:a16="http://schemas.microsoft.com/office/drawing/2014/main" id="{48DBEE20-6A6D-73D1-D747-611E716A2674}"/>
-              </a:ext>
-            </a:extLst>
-          </p:cNvPr>
+            <a:endParaRPr lang="zh-CN" altLang="en-US"/>
+          </a:p>
+        </p:txBody>
+      </p:sp>
+      <p:sp>
+        <p:nvSpPr>
+          <p:cNvPr id="6" name="内容占位符 5"/>
           <p:cNvSpPr>
             <a:spLocks noGrp="1"/>
           </p:cNvSpPr>
@@ -2112,6 +1910,7 @@
               <a:rPr lang="zh-CN" altLang="en-US"/>
               <a:t>单击此处编辑母版文本样式</a:t>
             </a:r>
+            <a:endParaRPr lang="zh-CN" altLang="en-US"/>
           </a:p>
           <a:p>
             <a:pPr lvl="1"/>
@@ -2119,6 +1918,7 @@
               <a:rPr lang="zh-CN" altLang="en-US"/>
               <a:t>二级</a:t>
             </a:r>
+            <a:endParaRPr lang="zh-CN" altLang="en-US"/>
           </a:p>
           <a:p>
             <a:pPr lvl="2"/>
@@ -2126,6 +1926,7 @@
               <a:rPr lang="zh-CN" altLang="en-US"/>
               <a:t>三级</a:t>
             </a:r>
+            <a:endParaRPr lang="zh-CN" altLang="en-US"/>
           </a:p>
           <a:p>
             <a:pPr lvl="3"/>
@@ -2133,6 +1934,7 @@
               <a:rPr lang="zh-CN" altLang="en-US"/>
               <a:t>四级</a:t>
             </a:r>
+            <a:endParaRPr lang="zh-CN" altLang="en-US"/>
           </a:p>
           <a:p>
             <a:pPr lvl="4"/>
@@ -2140,18 +1942,13 @@
               <a:rPr lang="zh-CN" altLang="en-US"/>
               <a:t>五级</a:t>
             </a:r>
-          </a:p>
-        </p:txBody>
-      </p:sp>
-      <p:sp>
-        <p:nvSpPr>
-          <p:cNvPr id="7" name="日期占位符 6">
-            <a:extLst>
-              <a:ext uri="{FF2B5EF4-FFF2-40B4-BE49-F238E27FC236}">
-                <a16:creationId xmlns:a16="http://schemas.microsoft.com/office/drawing/2014/main" id="{414B419F-9D3F-026F-2A64-5D7BC01B255C}"/>
-              </a:ext>
-            </a:extLst>
-          </p:cNvPr>
+            <a:endParaRPr lang="zh-CN" altLang="en-US"/>
+          </a:p>
+        </p:txBody>
+      </p:sp>
+      <p:sp>
+        <p:nvSpPr>
+          <p:cNvPr id="7" name="日期占位符 6"/>
           <p:cNvSpPr>
             <a:spLocks noGrp="1"/>
           </p:cNvSpPr>
@@ -2178,13 +1975,7 @@
       </p:sp>
       <p:sp>
         <p:nvSpPr>
-          <p:cNvPr id="8" name="页脚占位符 7">
-            <a:extLst>
-              <a:ext uri="{FF2B5EF4-FFF2-40B4-BE49-F238E27FC236}">
-                <a16:creationId xmlns:a16="http://schemas.microsoft.com/office/drawing/2014/main" id="{7AD48BF5-70F2-2F3B-F6A7-63B2D65A8972}"/>
-              </a:ext>
-            </a:extLst>
-          </p:cNvPr>
+          <p:cNvPr id="8" name="页脚占位符 7"/>
           <p:cNvSpPr>
             <a:spLocks noGrp="1"/>
           </p:cNvSpPr>
@@ -2211,13 +2002,7 @@
       </p:sp>
       <p:sp>
         <p:nvSpPr>
-          <p:cNvPr id="9" name="灯片编号占位符 8">
-            <a:extLst>
-              <a:ext uri="{FF2B5EF4-FFF2-40B4-BE49-F238E27FC236}">
-                <a16:creationId xmlns:a16="http://schemas.microsoft.com/office/drawing/2014/main" id="{758C090C-FA20-7059-0A5A-CC4FDDEEE116}"/>
-              </a:ext>
-            </a:extLst>
-          </p:cNvPr>
+          <p:cNvPr id="9" name="灯片编号占位符 8"/>
           <p:cNvSpPr>
             <a:spLocks noGrp="1"/>
           </p:cNvSpPr>
@@ -2232,18 +2017,12 @@
           <a:p>
             <a:fld id="{5232DD58-8C83-4A00-8D90-03ACA0CA0643}" type="slidenum">
               <a:rPr lang="zh-CN" altLang="en-US" smtClean="0"/>
-              <a:t>‹#›</a:t>
             </a:fld>
             <a:endParaRPr lang="zh-CN" altLang="en-US"/>
           </a:p>
         </p:txBody>
       </p:sp>
     </p:spTree>
-    <p:extLst>
-      <p:ext uri="{BB962C8B-B14F-4D97-AF65-F5344CB8AC3E}">
-        <p14:creationId xmlns:p14="http://schemas.microsoft.com/office/powerpoint/2010/main" val="1045254661"/>
-      </p:ext>
-    </p:extLst>
   </p:cSld>
   <p:clrMapOvr>
     <a:masterClrMapping/>
@@ -2270,13 +2049,7 @@
       </p:grpSpPr>
       <p:sp>
         <p:nvSpPr>
-          <p:cNvPr id="2" name="标题 1">
-            <a:extLst>
-              <a:ext uri="{FF2B5EF4-FFF2-40B4-BE49-F238E27FC236}">
-                <a16:creationId xmlns:a16="http://schemas.microsoft.com/office/drawing/2014/main" id="{5591F43C-9FE1-D1A1-4348-5F4CC405148B}"/>
-              </a:ext>
-            </a:extLst>
-          </p:cNvPr>
+          <p:cNvPr id="2" name="标题 1"/>
           <p:cNvSpPr>
             <a:spLocks noGrp="1"/>
           </p:cNvSpPr>
@@ -2293,18 +2066,13 @@
               <a:rPr lang="zh-CN" altLang="en-US"/>
               <a:t>单击此处编辑母版标题样式</a:t>
             </a:r>
-          </a:p>
-        </p:txBody>
-      </p:sp>
-      <p:sp>
-        <p:nvSpPr>
-          <p:cNvPr id="3" name="日期占位符 2">
-            <a:extLst>
-              <a:ext uri="{FF2B5EF4-FFF2-40B4-BE49-F238E27FC236}">
-                <a16:creationId xmlns:a16="http://schemas.microsoft.com/office/drawing/2014/main" id="{059DC2B5-749A-2D72-C5B8-64EE2DFC8A19}"/>
-              </a:ext>
-            </a:extLst>
-          </p:cNvPr>
+            <a:endParaRPr lang="zh-CN" altLang="en-US"/>
+          </a:p>
+        </p:txBody>
+      </p:sp>
+      <p:sp>
+        <p:nvSpPr>
+          <p:cNvPr id="3" name="日期占位符 2"/>
           <p:cNvSpPr>
             <a:spLocks noGrp="1"/>
           </p:cNvSpPr>
@@ -2331,13 +2099,7 @@
       </p:sp>
       <p:sp>
         <p:nvSpPr>
-          <p:cNvPr id="4" name="页脚占位符 3">
-            <a:extLst>
-              <a:ext uri="{FF2B5EF4-FFF2-40B4-BE49-F238E27FC236}">
-                <a16:creationId xmlns:a16="http://schemas.microsoft.com/office/drawing/2014/main" id="{EE539DE6-904E-DC7B-819E-FBDB593896C0}"/>
-              </a:ext>
-            </a:extLst>
-          </p:cNvPr>
+          <p:cNvPr id="4" name="页脚占位符 3"/>
           <p:cNvSpPr>
             <a:spLocks noGrp="1"/>
           </p:cNvSpPr>
@@ -2364,13 +2126,7 @@
       </p:sp>
       <p:sp>
         <p:nvSpPr>
-          <p:cNvPr id="5" name="灯片编号占位符 4">
-            <a:extLst>
-              <a:ext uri="{FF2B5EF4-FFF2-40B4-BE49-F238E27FC236}">
-                <a16:creationId xmlns:a16="http://schemas.microsoft.com/office/drawing/2014/main" id="{3BBC620D-670C-0A65-66A4-3CC28B6B00D4}"/>
-              </a:ext>
-            </a:extLst>
-          </p:cNvPr>
+          <p:cNvPr id="5" name="灯片编号占位符 4"/>
           <p:cNvSpPr>
             <a:spLocks noGrp="1"/>
           </p:cNvSpPr>
@@ -2385,18 +2141,12 @@
           <a:p>
             <a:fld id="{5232DD58-8C83-4A00-8D90-03ACA0CA0643}" type="slidenum">
               <a:rPr lang="zh-CN" altLang="en-US" smtClean="0"/>
-              <a:t>‹#›</a:t>
             </a:fld>
             <a:endParaRPr lang="zh-CN" altLang="en-US"/>
           </a:p>
         </p:txBody>
       </p:sp>
     </p:spTree>
-    <p:extLst>
-      <p:ext uri="{BB962C8B-B14F-4D97-AF65-F5344CB8AC3E}">
-        <p14:creationId xmlns:p14="http://schemas.microsoft.com/office/powerpoint/2010/main" val="2711880186"/>
-      </p:ext>
-    </p:extLst>
   </p:cSld>
   <p:clrMapOvr>
     <a:masterClrMapping/>
@@ -2423,13 +2173,7 @@
       </p:grpSpPr>
       <p:sp>
         <p:nvSpPr>
-          <p:cNvPr id="2" name="日期占位符 1">
-            <a:extLst>
-              <a:ext uri="{FF2B5EF4-FFF2-40B4-BE49-F238E27FC236}">
-                <a16:creationId xmlns:a16="http://schemas.microsoft.com/office/drawing/2014/main" id="{F31184F0-BDE5-7D60-E647-BBB262F9209B}"/>
-              </a:ext>
-            </a:extLst>
-          </p:cNvPr>
+          <p:cNvPr id="2" name="日期占位符 1"/>
           <p:cNvSpPr>
             <a:spLocks noGrp="1"/>
           </p:cNvSpPr>
@@ -2456,13 +2200,7 @@
       </p:sp>
       <p:sp>
         <p:nvSpPr>
-          <p:cNvPr id="3" name="页脚占位符 2">
-            <a:extLst>
-              <a:ext uri="{FF2B5EF4-FFF2-40B4-BE49-F238E27FC236}">
-                <a16:creationId xmlns:a16="http://schemas.microsoft.com/office/drawing/2014/main" id="{4B36B8D4-C7F5-CEDD-62F5-C643A0905D05}"/>
-              </a:ext>
-            </a:extLst>
-          </p:cNvPr>
+          <p:cNvPr id="3" name="页脚占位符 2"/>
           <p:cNvSpPr>
             <a:spLocks noGrp="1"/>
           </p:cNvSpPr>
@@ -2489,13 +2227,7 @@
       </p:sp>
       <p:sp>
         <p:nvSpPr>
-          <p:cNvPr id="4" name="灯片编号占位符 3">
-            <a:extLst>
-              <a:ext uri="{FF2B5EF4-FFF2-40B4-BE49-F238E27FC236}">
-                <a16:creationId xmlns:a16="http://schemas.microsoft.com/office/drawing/2014/main" id="{77389DD5-14E8-F93E-A7FA-D2AC4C0757F5}"/>
-              </a:ext>
-            </a:extLst>
-          </p:cNvPr>
+          <p:cNvPr id="4" name="灯片编号占位符 3"/>
           <p:cNvSpPr>
             <a:spLocks noGrp="1"/>
           </p:cNvSpPr>
@@ -2510,18 +2242,12 @@
           <a:p>
             <a:fld id="{5232DD58-8C83-4A00-8D90-03ACA0CA0643}" type="slidenum">
               <a:rPr lang="zh-CN" altLang="en-US" smtClean="0"/>
-              <a:t>‹#›</a:t>
             </a:fld>
             <a:endParaRPr lang="zh-CN" altLang="en-US"/>
           </a:p>
         </p:txBody>
       </p:sp>
     </p:spTree>
-    <p:extLst>
-      <p:ext uri="{BB962C8B-B14F-4D97-AF65-F5344CB8AC3E}">
-        <p14:creationId xmlns:p14="http://schemas.microsoft.com/office/powerpoint/2010/main" val="1047590153"/>
-      </p:ext>
-    </p:extLst>
   </p:cSld>
   <p:clrMapOvr>
     <a:masterClrMapping/>
@@ -2548,13 +2274,7 @@
       </p:grpSpPr>
       <p:sp>
         <p:nvSpPr>
-          <p:cNvPr id="2" name="标题 1">
-            <a:extLst>
-              <a:ext uri="{FF2B5EF4-FFF2-40B4-BE49-F238E27FC236}">
-                <a16:creationId xmlns:a16="http://schemas.microsoft.com/office/drawing/2014/main" id="{C4D75D79-3618-EE96-83A8-4778F7B96ACC}"/>
-              </a:ext>
-            </a:extLst>
-          </p:cNvPr>
+          <p:cNvPr id="2" name="标题 1"/>
           <p:cNvSpPr>
             <a:spLocks noGrp="1"/>
           </p:cNvSpPr>
@@ -2580,18 +2300,13 @@
               <a:rPr lang="zh-CN" altLang="en-US"/>
               <a:t>单击此处编辑母版标题样式</a:t>
             </a:r>
-          </a:p>
-        </p:txBody>
-      </p:sp>
-      <p:sp>
-        <p:nvSpPr>
-          <p:cNvPr id="3" name="内容占位符 2">
-            <a:extLst>
-              <a:ext uri="{FF2B5EF4-FFF2-40B4-BE49-F238E27FC236}">
-                <a16:creationId xmlns:a16="http://schemas.microsoft.com/office/drawing/2014/main" id="{432B28F8-CF0F-3B13-B4EA-99B895212AB8}"/>
-              </a:ext>
-            </a:extLst>
-          </p:cNvPr>
+            <a:endParaRPr lang="zh-CN" altLang="en-US"/>
+          </a:p>
+        </p:txBody>
+      </p:sp>
+      <p:sp>
+        <p:nvSpPr>
+          <p:cNvPr id="3" name="内容占位符 2"/>
           <p:cNvSpPr>
             <a:spLocks noGrp="1"/>
           </p:cNvSpPr>
@@ -2642,6 +2357,7 @@
               <a:rPr lang="zh-CN" altLang="en-US"/>
               <a:t>单击此处编辑母版文本样式</a:t>
             </a:r>
+            <a:endParaRPr lang="zh-CN" altLang="en-US"/>
           </a:p>
           <a:p>
             <a:pPr lvl="1"/>
@@ -2649,6 +2365,7 @@
               <a:rPr lang="zh-CN" altLang="en-US"/>
               <a:t>二级</a:t>
             </a:r>
+            <a:endParaRPr lang="zh-CN" altLang="en-US"/>
           </a:p>
           <a:p>
             <a:pPr lvl="2"/>
@@ -2656,6 +2373,7 @@
               <a:rPr lang="zh-CN" altLang="en-US"/>
               <a:t>三级</a:t>
             </a:r>
+            <a:endParaRPr lang="zh-CN" altLang="en-US"/>
           </a:p>
           <a:p>
             <a:pPr lvl="3"/>
@@ -2663,6 +2381,7 @@
               <a:rPr lang="zh-CN" altLang="en-US"/>
               <a:t>四级</a:t>
             </a:r>
+            <a:endParaRPr lang="zh-CN" altLang="en-US"/>
           </a:p>
           <a:p>
             <a:pPr lvl="4"/>
@@ -2670,18 +2389,13 @@
               <a:rPr lang="zh-CN" altLang="en-US"/>
               <a:t>五级</a:t>
             </a:r>
-          </a:p>
-        </p:txBody>
-      </p:sp>
-      <p:sp>
-        <p:nvSpPr>
-          <p:cNvPr id="4" name="文本占位符 3">
-            <a:extLst>
-              <a:ext uri="{FF2B5EF4-FFF2-40B4-BE49-F238E27FC236}">
-                <a16:creationId xmlns:a16="http://schemas.microsoft.com/office/drawing/2014/main" id="{320AC117-77DE-B65B-A70F-4ACB18F0EE88}"/>
-              </a:ext>
-            </a:extLst>
-          </p:cNvPr>
+            <a:endParaRPr lang="zh-CN" altLang="en-US"/>
+          </a:p>
+        </p:txBody>
+      </p:sp>
+      <p:sp>
+        <p:nvSpPr>
+          <p:cNvPr id="4" name="文本占位符 3"/>
           <p:cNvSpPr>
             <a:spLocks noGrp="1"/>
           </p:cNvSpPr>
@@ -2741,18 +2455,13 @@
               <a:rPr lang="zh-CN" altLang="en-US"/>
               <a:t>单击此处编辑母版文本样式</a:t>
             </a:r>
-          </a:p>
-        </p:txBody>
-      </p:sp>
-      <p:sp>
-        <p:nvSpPr>
-          <p:cNvPr id="5" name="日期占位符 4">
-            <a:extLst>
-              <a:ext uri="{FF2B5EF4-FFF2-40B4-BE49-F238E27FC236}">
-                <a16:creationId xmlns:a16="http://schemas.microsoft.com/office/drawing/2014/main" id="{A38CC01A-01FD-E2BA-F6B0-C5A94F36D7E4}"/>
-              </a:ext>
-            </a:extLst>
-          </p:cNvPr>
+            <a:endParaRPr lang="zh-CN" altLang="en-US"/>
+          </a:p>
+        </p:txBody>
+      </p:sp>
+      <p:sp>
+        <p:nvSpPr>
+          <p:cNvPr id="5" name="日期占位符 4"/>
           <p:cNvSpPr>
             <a:spLocks noGrp="1"/>
           </p:cNvSpPr>
@@ -2779,13 +2488,7 @@
       </p:sp>
       <p:sp>
         <p:nvSpPr>
-          <p:cNvPr id="6" name="页脚占位符 5">
-            <a:extLst>
-              <a:ext uri="{FF2B5EF4-FFF2-40B4-BE49-F238E27FC236}">
-                <a16:creationId xmlns:a16="http://schemas.microsoft.com/office/drawing/2014/main" id="{BE9AE8A8-1F75-BD2A-AA1D-0BD6C6142399}"/>
-              </a:ext>
-            </a:extLst>
-          </p:cNvPr>
+          <p:cNvPr id="6" name="页脚占位符 5"/>
           <p:cNvSpPr>
             <a:spLocks noGrp="1"/>
           </p:cNvSpPr>
@@ -2812,13 +2515,7 @@
       </p:sp>
       <p:sp>
         <p:nvSpPr>
-          <p:cNvPr id="7" name="灯片编号占位符 6">
-            <a:extLst>
-              <a:ext uri="{FF2B5EF4-FFF2-40B4-BE49-F238E27FC236}">
-                <a16:creationId xmlns:a16="http://schemas.microsoft.com/office/drawing/2014/main" id="{9C8058E7-A21B-45A0-6F42-7599BFE420EE}"/>
-              </a:ext>
-            </a:extLst>
-          </p:cNvPr>
+          <p:cNvPr id="7" name="灯片编号占位符 6"/>
           <p:cNvSpPr>
             <a:spLocks noGrp="1"/>
           </p:cNvSpPr>
@@ -2833,18 +2530,12 @@
           <a:p>
             <a:fld id="{5232DD58-8C83-4A00-8D90-03ACA0CA0643}" type="slidenum">
               <a:rPr lang="zh-CN" altLang="en-US" smtClean="0"/>
-              <a:t>‹#›</a:t>
             </a:fld>
             <a:endParaRPr lang="zh-CN" altLang="en-US"/>
           </a:p>
         </p:txBody>
       </p:sp>
     </p:spTree>
-    <p:extLst>
-      <p:ext uri="{BB962C8B-B14F-4D97-AF65-F5344CB8AC3E}">
-        <p14:creationId xmlns:p14="http://schemas.microsoft.com/office/powerpoint/2010/main" val="1435914113"/>
-      </p:ext>
-    </p:extLst>
   </p:cSld>
   <p:clrMapOvr>
     <a:masterClrMapping/>
@@ -2871,13 +2562,7 @@
       </p:grpSpPr>
       <p:sp>
         <p:nvSpPr>
-          <p:cNvPr id="2" name="标题 1">
-            <a:extLst>
-              <a:ext uri="{FF2B5EF4-FFF2-40B4-BE49-F238E27FC236}">
-                <a16:creationId xmlns:a16="http://schemas.microsoft.com/office/drawing/2014/main" id="{5107AAD9-EA95-3AC5-1BD6-BB893313AA48}"/>
-              </a:ext>
-            </a:extLst>
-          </p:cNvPr>
+          <p:cNvPr id="2" name="标题 1"/>
           <p:cNvSpPr>
             <a:spLocks noGrp="1"/>
           </p:cNvSpPr>
@@ -2903,18 +2588,13 @@
               <a:rPr lang="zh-CN" altLang="en-US"/>
               <a:t>单击此处编辑母版标题样式</a:t>
             </a:r>
-          </a:p>
-        </p:txBody>
-      </p:sp>
-      <p:sp>
-        <p:nvSpPr>
-          <p:cNvPr id="3" name="图片占位符 2">
-            <a:extLst>
-              <a:ext uri="{FF2B5EF4-FFF2-40B4-BE49-F238E27FC236}">
-                <a16:creationId xmlns:a16="http://schemas.microsoft.com/office/drawing/2014/main" id="{5884EBC8-42C3-FD22-9360-9901F4E2C2E4}"/>
-              </a:ext>
-            </a:extLst>
-          </p:cNvPr>
+            <a:endParaRPr lang="zh-CN" altLang="en-US"/>
+          </a:p>
+        </p:txBody>
+      </p:sp>
+      <p:sp>
+        <p:nvSpPr>
+          <p:cNvPr id="3" name="图片占位符 2"/>
           <p:cNvSpPr>
             <a:spLocks noGrp="1"/>
           </p:cNvSpPr>
@@ -2975,13 +2655,7 @@
       </p:sp>
       <p:sp>
         <p:nvSpPr>
-          <p:cNvPr id="4" name="文本占位符 3">
-            <a:extLst>
-              <a:ext uri="{FF2B5EF4-FFF2-40B4-BE49-F238E27FC236}">
-                <a16:creationId xmlns:a16="http://schemas.microsoft.com/office/drawing/2014/main" id="{1252D2EB-DAAB-3627-B89B-DB5C0B7655DE}"/>
-              </a:ext>
-            </a:extLst>
-          </p:cNvPr>
+          <p:cNvPr id="4" name="文本占位符 3"/>
           <p:cNvSpPr>
             <a:spLocks noGrp="1"/>
           </p:cNvSpPr>
@@ -3041,18 +2715,13 @@
               <a:rPr lang="zh-CN" altLang="en-US"/>
               <a:t>单击此处编辑母版文本样式</a:t>
             </a:r>
-          </a:p>
-        </p:txBody>
-      </p:sp>
-      <p:sp>
-        <p:nvSpPr>
-          <p:cNvPr id="5" name="日期占位符 4">
-            <a:extLst>
-              <a:ext uri="{FF2B5EF4-FFF2-40B4-BE49-F238E27FC236}">
-                <a16:creationId xmlns:a16="http://schemas.microsoft.com/office/drawing/2014/main" id="{B35D1B97-4579-DA6A-DCAB-14C17A48B7EB}"/>
-              </a:ext>
-            </a:extLst>
-          </p:cNvPr>
+            <a:endParaRPr lang="zh-CN" altLang="en-US"/>
+          </a:p>
+        </p:txBody>
+      </p:sp>
+      <p:sp>
+        <p:nvSpPr>
+          <p:cNvPr id="5" name="日期占位符 4"/>
           <p:cNvSpPr>
             <a:spLocks noGrp="1"/>
           </p:cNvSpPr>
@@ -3079,13 +2748,7 @@
       </p:sp>
       <p:sp>
         <p:nvSpPr>
-          <p:cNvPr id="6" name="页脚占位符 5">
-            <a:extLst>
-              <a:ext uri="{FF2B5EF4-FFF2-40B4-BE49-F238E27FC236}">
-                <a16:creationId xmlns:a16="http://schemas.microsoft.com/office/drawing/2014/main" id="{1A0B0D59-DE86-277B-E4D9-85C6F99E2BE2}"/>
-              </a:ext>
-            </a:extLst>
-          </p:cNvPr>
+          <p:cNvPr id="6" name="页脚占位符 5"/>
           <p:cNvSpPr>
             <a:spLocks noGrp="1"/>
           </p:cNvSpPr>
@@ -3112,13 +2775,7 @@
       </p:sp>
       <p:sp>
         <p:nvSpPr>
-          <p:cNvPr id="7" name="灯片编号占位符 6">
-            <a:extLst>
-              <a:ext uri="{FF2B5EF4-FFF2-40B4-BE49-F238E27FC236}">
-                <a16:creationId xmlns:a16="http://schemas.microsoft.com/office/drawing/2014/main" id="{B8B99196-A871-58D0-C37F-4B3EB234D919}"/>
-              </a:ext>
-            </a:extLst>
-          </p:cNvPr>
+          <p:cNvPr id="7" name="灯片编号占位符 6"/>
           <p:cNvSpPr>
             <a:spLocks noGrp="1"/>
           </p:cNvSpPr>
@@ -3133,18 +2790,12 @@
           <a:p>
             <a:fld id="{5232DD58-8C83-4A00-8D90-03ACA0CA0643}" type="slidenum">
               <a:rPr lang="zh-CN" altLang="en-US" smtClean="0"/>
-              <a:t>‹#›</a:t>
             </a:fld>
             <a:endParaRPr lang="zh-CN" altLang="en-US"/>
           </a:p>
         </p:txBody>
       </p:sp>
     </p:spTree>
-    <p:extLst>
-      <p:ext uri="{BB962C8B-B14F-4D97-AF65-F5344CB8AC3E}">
-        <p14:creationId xmlns:p14="http://schemas.microsoft.com/office/powerpoint/2010/main" val="1382868777"/>
-      </p:ext>
-    </p:extLst>
   </p:cSld>
   <p:clrMapOvr>
     <a:masterClrMapping/>
@@ -3176,13 +2827,7 @@
       </p:grpSpPr>
       <p:sp>
         <p:nvSpPr>
-          <p:cNvPr id="2" name="标题占位符 1">
-            <a:extLst>
-              <a:ext uri="{FF2B5EF4-FFF2-40B4-BE49-F238E27FC236}">
-                <a16:creationId xmlns:a16="http://schemas.microsoft.com/office/drawing/2014/main" id="{3A428150-5039-0E67-111B-D260D95FC998}"/>
-              </a:ext>
-            </a:extLst>
-          </p:cNvPr>
+          <p:cNvPr id="2" name="标题占位符 1"/>
           <p:cNvSpPr>
             <a:spLocks noGrp="1"/>
           </p:cNvSpPr>
@@ -3209,18 +2854,13 @@
               <a:rPr lang="zh-CN" altLang="en-US" dirty="0"/>
               <a:t>单击此处编辑母版标题样式</a:t>
             </a:r>
-          </a:p>
-        </p:txBody>
-      </p:sp>
-      <p:sp>
-        <p:nvSpPr>
-          <p:cNvPr id="3" name="文本占位符 2">
-            <a:extLst>
-              <a:ext uri="{FF2B5EF4-FFF2-40B4-BE49-F238E27FC236}">
-                <a16:creationId xmlns:a16="http://schemas.microsoft.com/office/drawing/2014/main" id="{0BFDDBB6-D57A-FED7-260B-BF668464AAB6}"/>
-              </a:ext>
-            </a:extLst>
-          </p:cNvPr>
+            <a:endParaRPr lang="zh-CN" altLang="en-US" dirty="0"/>
+          </a:p>
+        </p:txBody>
+      </p:sp>
+      <p:sp>
+        <p:nvSpPr>
+          <p:cNvPr id="3" name="文本占位符 2"/>
           <p:cNvSpPr>
             <a:spLocks noGrp="1"/>
           </p:cNvSpPr>
@@ -3248,6 +2888,7 @@
               <a:rPr lang="zh-CN" altLang="en-US" dirty="0"/>
               <a:t>单击此处编辑母版文本样式</a:t>
             </a:r>
+            <a:endParaRPr lang="zh-CN" altLang="en-US" dirty="0"/>
           </a:p>
           <a:p>
             <a:pPr lvl="1"/>
@@ -3255,6 +2896,7 @@
               <a:rPr lang="zh-CN" altLang="en-US" dirty="0"/>
               <a:t>二级</a:t>
             </a:r>
+            <a:endParaRPr lang="zh-CN" altLang="en-US" dirty="0"/>
           </a:p>
           <a:p>
             <a:pPr lvl="2"/>
@@ -3262,6 +2904,7 @@
               <a:rPr lang="zh-CN" altLang="en-US" dirty="0"/>
               <a:t>三级</a:t>
             </a:r>
+            <a:endParaRPr lang="zh-CN" altLang="en-US" dirty="0"/>
           </a:p>
           <a:p>
             <a:pPr lvl="3"/>
@@ -3269,6 +2912,7 @@
               <a:rPr lang="zh-CN" altLang="en-US" dirty="0"/>
               <a:t>四级</a:t>
             </a:r>
+            <a:endParaRPr lang="zh-CN" altLang="en-US" dirty="0"/>
           </a:p>
           <a:p>
             <a:pPr lvl="4"/>
@@ -3276,18 +2920,13 @@
               <a:rPr lang="zh-CN" altLang="en-US" dirty="0"/>
               <a:t>五级</a:t>
             </a:r>
-          </a:p>
-        </p:txBody>
-      </p:sp>
-      <p:sp>
-        <p:nvSpPr>
-          <p:cNvPr id="6" name="灯片编号占位符 5">
-            <a:extLst>
-              <a:ext uri="{FF2B5EF4-FFF2-40B4-BE49-F238E27FC236}">
-                <a16:creationId xmlns:a16="http://schemas.microsoft.com/office/drawing/2014/main" id="{A4F82198-AB7A-3B3A-F8F1-0544B44C37C4}"/>
-              </a:ext>
-            </a:extLst>
-          </p:cNvPr>
+            <a:endParaRPr lang="zh-CN" altLang="en-US" dirty="0"/>
+          </a:p>
+        </p:txBody>
+      </p:sp>
+      <p:sp>
+        <p:nvSpPr>
+          <p:cNvPr id="6" name="灯片编号占位符 5"/>
           <p:cNvSpPr>
             <a:spLocks noGrp="1"/>
           </p:cNvSpPr>
@@ -3318,8 +2957,6 @@
           <a:p>
             <a:fld id="{5232DD58-8C83-4A00-8D90-03ACA0CA0643}" type="slidenum">
               <a:rPr lang="zh-CN" altLang="en-US" smtClean="0"/>
-              <a:pPr/>
-              <a:t>‹#›</a:t>
             </a:fld>
             <a:endParaRPr lang="zh-CN" altLang="en-US" dirty="0"/>
           </a:p>
@@ -3327,33 +2964,21 @@
       </p:sp>
       <p:grpSp>
         <p:nvGrpSpPr>
-          <p:cNvPr id="7" name="组合 6">
-            <a:extLst>
-              <a:ext uri="{FF2B5EF4-FFF2-40B4-BE49-F238E27FC236}">
-                <a16:creationId xmlns:a16="http://schemas.microsoft.com/office/drawing/2014/main" id="{15CDC0CB-E744-B191-FFB3-30E2FCC78406}"/>
-              </a:ext>
-            </a:extLst>
-          </p:cNvPr>
+          <p:cNvPr id="7" name="组合 6"/>
           <p:cNvGrpSpPr/>
           <p:nvPr userDrawn="1"/>
         </p:nvGrpSpPr>
         <p:grpSpPr>
           <a:xfrm>
             <a:off x="0" y="1523305"/>
-            <a:ext cx="12192000" cy="257323"/>
+            <a:ext cx="12192000" cy="256540"/>
             <a:chOff x="0" y="1523305"/>
-            <a:chExt cx="12192000" cy="257323"/>
+            <a:chExt cx="12192000" cy="256540"/>
           </a:xfrm>
         </p:grpSpPr>
         <p:sp>
           <p:nvSpPr>
-            <p:cNvPr id="8" name="矩形 7">
-              <a:extLst>
-                <a:ext uri="{FF2B5EF4-FFF2-40B4-BE49-F238E27FC236}">
-                  <a16:creationId xmlns:a16="http://schemas.microsoft.com/office/drawing/2014/main" id="{5035A981-07D1-0B49-8557-8B59F0060386}"/>
-                </a:ext>
-              </a:extLst>
-            </p:cNvPr>
+            <p:cNvPr id="8" name="矩形 7"/>
             <p:cNvSpPr/>
             <p:nvPr userDrawn="1"/>
           </p:nvSpPr>
@@ -3437,20 +3062,14 @@
         </p:sp>
         <p:sp>
           <p:nvSpPr>
-            <p:cNvPr id="9" name="文本框 8">
-              <a:extLst>
-                <a:ext uri="{FF2B5EF4-FFF2-40B4-BE49-F238E27FC236}">
-                  <a16:creationId xmlns:a16="http://schemas.microsoft.com/office/drawing/2014/main" id="{9A378877-0347-4827-331E-672AF7D05DBF}"/>
-                </a:ext>
-              </a:extLst>
-            </p:cNvPr>
+            <p:cNvPr id="9" name="文本框 8"/>
             <p:cNvSpPr txBox="1"/>
             <p:nvPr userDrawn="1"/>
           </p:nvSpPr>
           <p:spPr>
             <a:xfrm>
-              <a:off x="0" y="1534407"/>
-              <a:ext cx="1743281" cy="246221"/>
+              <a:off x="0" y="1534735"/>
+              <a:ext cx="2139950" cy="245110"/>
             </a:xfrm>
             <a:prstGeom prst="rect">
               <a:avLst/>
@@ -3490,13 +3109,7 @@
         </p:sp>
         <p:sp>
           <p:nvSpPr>
-            <p:cNvPr id="10" name="文本框 9">
-              <a:extLst>
-                <a:ext uri="{FF2B5EF4-FFF2-40B4-BE49-F238E27FC236}">
-                  <a16:creationId xmlns:a16="http://schemas.microsoft.com/office/drawing/2014/main" id="{49F04B41-7B0B-1A4E-6F30-534C0068826E}"/>
-                </a:ext>
-              </a:extLst>
-            </p:cNvPr>
+            <p:cNvPr id="10" name="文本框 9"/>
             <p:cNvSpPr txBox="1"/>
             <p:nvPr userDrawn="1"/>
           </p:nvSpPr>
@@ -3535,11 +3148,6 @@
         </p:sp>
       </p:grpSp>
     </p:spTree>
-    <p:extLst>
-      <p:ext uri="{BB962C8B-B14F-4D97-AF65-F5344CB8AC3E}">
-        <p14:creationId xmlns:p14="http://schemas.microsoft.com/office/powerpoint/2010/main" val="3416959925"/>
-      </p:ext>
-    </p:extLst>
   </p:cSld>
   <p:clrMap bg1="lt1" tx1="dk1" bg2="lt2" tx2="dk2" accent1="accent1" accent2="accent2" accent3="accent3" accent4="accent4" accent5="accent5" accent6="accent6" hlink="hlink" folHlink="folHlink"/>
   <p:sldLayoutIdLst>
@@ -3858,13 +3466,7 @@
       </p:grpSpPr>
       <p:sp>
         <p:nvSpPr>
-          <p:cNvPr id="2" name="副标题 1">
-            <a:extLst>
-              <a:ext uri="{FF2B5EF4-FFF2-40B4-BE49-F238E27FC236}">
-                <a16:creationId xmlns:a16="http://schemas.microsoft.com/office/drawing/2014/main" id="{BEC2B64B-5B9E-8DE7-A5AA-19E05EA834B3}"/>
-              </a:ext>
-            </a:extLst>
-          </p:cNvPr>
+          <p:cNvPr id="2" name="副标题 1"/>
           <p:cNvSpPr>
             <a:spLocks noGrp="1"/>
           </p:cNvSpPr>
@@ -3883,13 +3485,7 @@
       </p:sp>
       <p:sp>
         <p:nvSpPr>
-          <p:cNvPr id="3" name="标题 2">
-            <a:extLst>
-              <a:ext uri="{FF2B5EF4-FFF2-40B4-BE49-F238E27FC236}">
-                <a16:creationId xmlns:a16="http://schemas.microsoft.com/office/drawing/2014/main" id="{18DCB8F0-5023-395B-27AC-5AEBAF8611EA}"/>
-              </a:ext>
-            </a:extLst>
-          </p:cNvPr>
+          <p:cNvPr id="3" name="标题 2"/>
           <p:cNvSpPr>
             <a:spLocks noGrp="1"/>
           </p:cNvSpPr>
@@ -3917,13 +3513,7 @@
       </p:sp>
       <p:sp>
         <p:nvSpPr>
-          <p:cNvPr id="4" name="灯片编号占位符 3">
-            <a:extLst>
-              <a:ext uri="{FF2B5EF4-FFF2-40B4-BE49-F238E27FC236}">
-                <a16:creationId xmlns:a16="http://schemas.microsoft.com/office/drawing/2014/main" id="{E36E1ACC-ECC6-1E60-1216-F885960867D3}"/>
-              </a:ext>
-            </a:extLst>
-          </p:cNvPr>
+          <p:cNvPr id="4" name="灯片编号占位符 3"/>
           <p:cNvSpPr>
             <a:spLocks noGrp="1"/>
           </p:cNvSpPr>
@@ -3938,19 +3528,12 @@
           <a:p>
             <a:fld id="{5232DD58-8C83-4A00-8D90-03ACA0CA0643}" type="slidenum">
               <a:rPr lang="zh-CN" altLang="en-US" smtClean="0"/>
-              <a:pPr/>
-              <a:t>1</a:t>
             </a:fld>
             <a:endParaRPr lang="zh-CN" altLang="en-US" dirty="0"/>
           </a:p>
         </p:txBody>
       </p:sp>
     </p:spTree>
-    <p:extLst>
-      <p:ext uri="{BB962C8B-B14F-4D97-AF65-F5344CB8AC3E}">
-        <p14:creationId xmlns:p14="http://schemas.microsoft.com/office/powerpoint/2010/main" val="292698531"/>
-      </p:ext>
-    </p:extLst>
   </p:cSld>
   <p:clrMapOvr>
     <a:masterClrMapping/>
@@ -3977,13 +3560,7 @@
       </p:grpSpPr>
       <p:sp>
         <p:nvSpPr>
-          <p:cNvPr id="2" name="标题 1">
-            <a:extLst>
-              <a:ext uri="{FF2B5EF4-FFF2-40B4-BE49-F238E27FC236}">
-                <a16:creationId xmlns:a16="http://schemas.microsoft.com/office/drawing/2014/main" id="{AF227B38-7876-27B8-CC5A-4F3F077D18D5}"/>
-              </a:ext>
-            </a:extLst>
-          </p:cNvPr>
+          <p:cNvPr id="2" name="标题 1"/>
           <p:cNvSpPr>
             <a:spLocks noGrp="1"/>
           </p:cNvSpPr>
@@ -4002,13 +3579,7 @@
       </p:sp>
       <p:sp>
         <p:nvSpPr>
-          <p:cNvPr id="3" name="内容占位符 2">
-            <a:extLst>
-              <a:ext uri="{FF2B5EF4-FFF2-40B4-BE49-F238E27FC236}">
-                <a16:creationId xmlns:a16="http://schemas.microsoft.com/office/drawing/2014/main" id="{0B711EA5-E9A6-2B96-B810-FFBB06580214}"/>
-              </a:ext>
-            </a:extLst>
-          </p:cNvPr>
+          <p:cNvPr id="3" name="内容占位符 2"/>
           <p:cNvSpPr>
             <a:spLocks noGrp="1"/>
           </p:cNvSpPr>
@@ -4027,13 +3598,7 @@
       </p:sp>
       <p:sp>
         <p:nvSpPr>
-          <p:cNvPr id="4" name="灯片编号占位符 3">
-            <a:extLst>
-              <a:ext uri="{FF2B5EF4-FFF2-40B4-BE49-F238E27FC236}">
-                <a16:creationId xmlns:a16="http://schemas.microsoft.com/office/drawing/2014/main" id="{1ACE3955-7FFA-8352-0F34-5FDA1199498E}"/>
-              </a:ext>
-            </a:extLst>
-          </p:cNvPr>
+          <p:cNvPr id="4" name="灯片编号占位符 3"/>
           <p:cNvSpPr>
             <a:spLocks noGrp="1"/>
           </p:cNvSpPr>
@@ -4048,18 +3613,12 @@
           <a:p>
             <a:fld id="{5232DD58-8C83-4A00-8D90-03ACA0CA0643}" type="slidenum">
               <a:rPr lang="zh-CN" altLang="en-US" smtClean="0"/>
-              <a:t>2</a:t>
             </a:fld>
             <a:endParaRPr lang="zh-CN" altLang="en-US"/>
           </a:p>
         </p:txBody>
       </p:sp>
     </p:spTree>
-    <p:extLst>
-      <p:ext uri="{BB962C8B-B14F-4D97-AF65-F5344CB8AC3E}">
-        <p14:creationId xmlns:p14="http://schemas.microsoft.com/office/powerpoint/2010/main" val="1214612690"/>
-      </p:ext>
-    </p:extLst>
   </p:cSld>
   <p:clrMapOvr>
     <a:masterClrMapping/>
@@ -4110,7 +3669,7 @@
     </a:clrScheme>
     <a:fontScheme name="Office">
       <a:majorFont>
-        <a:latin typeface="等线 Light" panose="02110004020202020204"/>
+        <a:latin typeface="等线 Light"/>
         <a:ea typeface=""/>
         <a:cs typeface=""/>
         <a:font script="Jpan" typeface="游ゴシック Light"/>
@@ -4143,26 +3702,9 @@
         <a:font script="Viet" typeface="Times New Roman"/>
         <a:font script="Uigh" typeface="Microsoft Uighur"/>
         <a:font script="Geor" typeface="Sylfaen"/>
-        <a:font script="Armn" typeface="Arial"/>
-        <a:font script="Bugi" typeface="Leelawadee UI"/>
-        <a:font script="Bopo" typeface="Microsoft JhengHei"/>
-        <a:font script="Java" typeface="Javanese Text"/>
-        <a:font script="Lisu" typeface="Segoe UI"/>
-        <a:font script="Mymr" typeface="Myanmar Text"/>
-        <a:font script="Nkoo" typeface="Ebrima"/>
-        <a:font script="Olck" typeface="Nirmala UI"/>
-        <a:font script="Osma" typeface="Ebrima"/>
-        <a:font script="Phag" typeface="Phagspa"/>
-        <a:font script="Syrn" typeface="Estrangelo Edessa"/>
-        <a:font script="Syrj" typeface="Estrangelo Edessa"/>
-        <a:font script="Syre" typeface="Estrangelo Edessa"/>
-        <a:font script="Sora" typeface="Nirmala UI"/>
-        <a:font script="Tale" typeface="Microsoft Tai Le"/>
-        <a:font script="Talu" typeface="Microsoft New Tai Lue"/>
-        <a:font script="Tfng" typeface="Ebrima"/>
       </a:majorFont>
       <a:minorFont>
-        <a:latin typeface="等线" panose="02110004020202020204"/>
+        <a:latin typeface="等线"/>
         <a:ea typeface=""/>
         <a:cs typeface=""/>
         <a:font script="Jpan" typeface="游ゴシック"/>
@@ -4195,23 +3737,6 @@
         <a:font script="Viet" typeface="Arial"/>
         <a:font script="Uigh" typeface="Microsoft Uighur"/>
         <a:font script="Geor" typeface="Sylfaen"/>
-        <a:font script="Armn" typeface="Arial"/>
-        <a:font script="Bugi" typeface="Leelawadee UI"/>
-        <a:font script="Bopo" typeface="Microsoft JhengHei"/>
-        <a:font script="Java" typeface="Javanese Text"/>
-        <a:font script="Lisu" typeface="Segoe UI"/>
-        <a:font script="Mymr" typeface="Myanmar Text"/>
-        <a:font script="Nkoo" typeface="Ebrima"/>
-        <a:font script="Olck" typeface="Nirmala UI"/>
-        <a:font script="Osma" typeface="Ebrima"/>
-        <a:font script="Phag" typeface="Phagspa"/>
-        <a:font script="Syrn" typeface="Estrangelo Edessa"/>
-        <a:font script="Syrj" typeface="Estrangelo Edessa"/>
-        <a:font script="Syre" typeface="Estrangelo Edessa"/>
-        <a:font script="Sora" typeface="Nirmala UI"/>
-        <a:font script="Tale" typeface="Microsoft Tai Le"/>
-        <a:font script="Talu" typeface="Microsoft New Tai Lue"/>
-        <a:font script="Tfng" typeface="Ebrima"/>
       </a:minorFont>
     </a:fontScheme>
     <a:fmtScheme name="Office">
@@ -4373,10 +3898,9 @@
       </a:style>
     </a:lnDef>
   </a:objectDefaults>
-  <a:extraClrSchemeLst/>
   <a:extLst>
     <a:ext uri="{05A4C25C-085E-4340-85A3-A5531E510DB2}">
-      <thm15:themeFamily xmlns:thm15="http://schemas.microsoft.com/office/thememl/2012/main" name="Office Theme" id="{2E142A2C-CD16-42D6-873A-C26D2A0506FA}" vid="{1BDDFF52-6CD6-40A5-AB3C-68EB2F1E4D0A}"/>
+      <thm15:themeFamily xmlns:thm15="http://schemas.microsoft.com/office/thememl/2012/main" name="Office Theme" id="{62F939B6-93AF-4DB8-9C6B-D6C7DFDC589F}" vid="{4A3C46E8-61CC-4603-A589-7422A47A8E4A}"/>
     </a:ext>
   </a:extLst>
 </a:theme>
@@ -4425,7 +3949,7 @@
     </a:clrScheme>
     <a:fontScheme name="Office">
       <a:majorFont>
-        <a:latin typeface="等线 Light" panose="02110004020202020204"/>
+        <a:latin typeface="等线 Light"/>
         <a:ea typeface=""/>
         <a:cs typeface=""/>
         <a:font script="Jpan" typeface="游ゴシック Light"/>
@@ -4458,26 +3982,9 @@
         <a:font script="Viet" typeface="Times New Roman"/>
         <a:font script="Uigh" typeface="Microsoft Uighur"/>
         <a:font script="Geor" typeface="Sylfaen"/>
-        <a:font script="Armn" typeface="Arial"/>
-        <a:font script="Bugi" typeface="Leelawadee UI"/>
-        <a:font script="Bopo" typeface="Microsoft JhengHei"/>
-        <a:font script="Java" typeface="Javanese Text"/>
-        <a:font script="Lisu" typeface="Segoe UI"/>
-        <a:font script="Mymr" typeface="Myanmar Text"/>
-        <a:font script="Nkoo" typeface="Ebrima"/>
-        <a:font script="Olck" typeface="Nirmala UI"/>
-        <a:font script="Osma" typeface="Ebrima"/>
-        <a:font script="Phag" typeface="Phagspa"/>
-        <a:font script="Syrn" typeface="Estrangelo Edessa"/>
-        <a:font script="Syrj" typeface="Estrangelo Edessa"/>
-        <a:font script="Syre" typeface="Estrangelo Edessa"/>
-        <a:font script="Sora" typeface="Nirmala UI"/>
-        <a:font script="Tale" typeface="Microsoft Tai Le"/>
-        <a:font script="Talu" typeface="Microsoft New Tai Lue"/>
-        <a:font script="Tfng" typeface="Ebrima"/>
       </a:majorFont>
       <a:minorFont>
-        <a:latin typeface="等线" panose="02110004020202020204"/>
+        <a:latin typeface="等线"/>
         <a:ea typeface=""/>
         <a:cs typeface=""/>
         <a:font script="Jpan" typeface="游ゴシック"/>
@@ -4510,23 +4017,6 @@
         <a:font script="Viet" typeface="Arial"/>
         <a:font script="Uigh" typeface="Microsoft Uighur"/>
         <a:font script="Geor" typeface="Sylfaen"/>
-        <a:font script="Armn" typeface="Arial"/>
-        <a:font script="Bugi" typeface="Leelawadee UI"/>
-        <a:font script="Bopo" typeface="Microsoft JhengHei"/>
-        <a:font script="Java" typeface="Javanese Text"/>
-        <a:font script="Lisu" typeface="Segoe UI"/>
-        <a:font script="Mymr" typeface="Myanmar Text"/>
-        <a:font script="Nkoo" typeface="Ebrima"/>
-        <a:font script="Olck" typeface="Nirmala UI"/>
-        <a:font script="Osma" typeface="Ebrima"/>
-        <a:font script="Phag" typeface="Phagspa"/>
-        <a:font script="Syrn" typeface="Estrangelo Edessa"/>
-        <a:font script="Syrj" typeface="Estrangelo Edessa"/>
-        <a:font script="Syre" typeface="Estrangelo Edessa"/>
-        <a:font script="Sora" typeface="Nirmala UI"/>
-        <a:font script="Tale" typeface="Microsoft Tai Le"/>
-        <a:font script="Talu" typeface="Microsoft New Tai Lue"/>
-        <a:font script="Tfng" typeface="Ebrima"/>
       </a:minorFont>
     </a:fontScheme>
     <a:fmtScheme name="Office">
@@ -4688,10 +4178,9 @@
       </a:style>
     </a:lnDef>
   </a:objectDefaults>
-  <a:extraClrSchemeLst/>
   <a:extLst>
     <a:ext uri="{05A4C25C-085E-4340-85A3-A5531E510DB2}">
-      <thm15:themeFamily xmlns:thm15="http://schemas.microsoft.com/office/thememl/2012/main" name="Office Theme" id="{2E142A2C-CD16-42D6-873A-C26D2A0506FA}" vid="{1BDDFF52-6CD6-40A5-AB3C-68EB2F1E4D0A}"/>
+      <thm15:themeFamily xmlns:thm15="http://schemas.microsoft.com/office/thememl/2012/main" name="Office Theme" id="{62F939B6-93AF-4DB8-9C6B-D6C7DFDC589F}" vid="{4A3C46E8-61CC-4603-A589-7422A47A8E4A}"/>
     </a:ext>
   </a:extLst>
 </a:theme>
